--- a/FichePerso.pptx
+++ b/FichePerso.pptx
@@ -6,6 +6,10 @@
   </p:sldMasterIdLst>
   <p:sldIdLst>
     <p:sldId id="256" r:id="rId2"/>
+    <p:sldId id="257" r:id="rId3"/>
+    <p:sldId id="258" r:id="rId4"/>
+    <p:sldId id="259" r:id="rId5"/>
+    <p:sldId id="260" r:id="rId6"/>
   </p:sldIdLst>
   <p:sldSz cx="9144000" cy="6858000" type="screen4x3"/>
   <p:notesSz cx="6858000" cy="9144000"/>
@@ -104,6 +108,22 @@
       </a:defRPr>
     </a:lvl9pPr>
   </p:defaultTextStyle>
+  <p:extLst>
+    <p:ext uri="{EFAFB233-063F-42B5-8137-9DF3F51BA10A}">
+      <p15:sldGuideLst xmlns:p15="http://schemas.microsoft.com/office/powerpoint/2012/main">
+        <p15:guide id="1" orient="horz" pos="2160">
+          <p15:clr>
+            <a:srgbClr val="A4A3A4"/>
+          </p15:clr>
+        </p15:guide>
+        <p15:guide id="2" pos="2880">
+          <p15:clr>
+            <a:srgbClr val="A4A3A4"/>
+          </p15:clr>
+        </p15:guide>
+      </p15:sldGuideLst>
+    </p:ext>
+  </p:extLst>
 </p:presentation>
 </file>
 
@@ -145,10 +165,9 @@
           <a:lstStyle/>
           <a:p>
             <a:r>
-              <a:rPr lang="fr-FR" smtClean="0"/>
+              <a:rPr lang="fr-FR"/>
               <a:t>Modifiez le style du titre</a:t>
             </a:r>
-            <a:endParaRPr lang="fr-FR"/>
           </a:p>
         </p:txBody>
       </p:sp>
@@ -264,10 +283,9 @@
           </a:lstStyle>
           <a:p>
             <a:r>
-              <a:rPr lang="fr-FR" smtClean="0"/>
+              <a:rPr lang="fr-FR"/>
               <a:t>Modifiez le style des sous-titres du masque</a:t>
             </a:r>
-            <a:endParaRPr lang="fr-FR"/>
           </a:p>
         </p:txBody>
       </p:sp>
@@ -288,7 +306,7 @@
           <a:p>
             <a:fld id="{719B646B-87A8-489B-B448-07D8E116DD53}" type="datetimeFigureOut">
               <a:rPr lang="fr-FR" smtClean="0"/>
-              <a:t>18/06/2016</a:t>
+              <a:t>11/12/2016</a:t>
             </a:fld>
             <a:endParaRPr lang="fr-FR"/>
           </a:p>
@@ -382,10 +400,9 @@
           <a:lstStyle/>
           <a:p>
             <a:r>
-              <a:rPr lang="fr-FR" smtClean="0"/>
+              <a:rPr lang="fr-FR"/>
               <a:t>Modifiez le style du titre</a:t>
             </a:r>
-            <a:endParaRPr lang="fr-FR"/>
           </a:p>
         </p:txBody>
       </p:sp>
@@ -406,38 +423,37 @@
           <a:p>
             <a:pPr lvl="0"/>
             <a:r>
-              <a:rPr lang="fr-FR" smtClean="0"/>
+              <a:rPr lang="fr-FR"/>
               <a:t>Modifiez les styles du texte du masque</a:t>
             </a:r>
           </a:p>
           <a:p>
             <a:pPr lvl="1"/>
             <a:r>
-              <a:rPr lang="fr-FR" smtClean="0"/>
+              <a:rPr lang="fr-FR"/>
               <a:t>Deuxième niveau</a:t>
             </a:r>
           </a:p>
           <a:p>
             <a:pPr lvl="2"/>
             <a:r>
-              <a:rPr lang="fr-FR" smtClean="0"/>
+              <a:rPr lang="fr-FR"/>
               <a:t>Troisième niveau</a:t>
             </a:r>
           </a:p>
           <a:p>
             <a:pPr lvl="3"/>
             <a:r>
-              <a:rPr lang="fr-FR" smtClean="0"/>
+              <a:rPr lang="fr-FR"/>
               <a:t>Quatrième niveau</a:t>
             </a:r>
           </a:p>
           <a:p>
             <a:pPr lvl="4"/>
             <a:r>
-              <a:rPr lang="fr-FR" smtClean="0"/>
+              <a:rPr lang="fr-FR"/>
               <a:t>Cinquième niveau</a:t>
             </a:r>
-            <a:endParaRPr lang="fr-FR"/>
           </a:p>
         </p:txBody>
       </p:sp>
@@ -458,7 +474,7 @@
           <a:p>
             <a:fld id="{719B646B-87A8-489B-B448-07D8E116DD53}" type="datetimeFigureOut">
               <a:rPr lang="fr-FR" smtClean="0"/>
-              <a:t>19/06/2016</a:t>
+              <a:t>11/12/2016</a:t>
             </a:fld>
             <a:endParaRPr lang="fr-FR"/>
           </a:p>
@@ -557,10 +573,9 @@
           <a:lstStyle/>
           <a:p>
             <a:r>
-              <a:rPr lang="fr-FR" smtClean="0"/>
+              <a:rPr lang="fr-FR"/>
               <a:t>Modifiez le style du titre</a:t>
             </a:r>
-            <a:endParaRPr lang="fr-FR"/>
           </a:p>
         </p:txBody>
       </p:sp>
@@ -586,38 +601,37 @@
           <a:p>
             <a:pPr lvl="0"/>
             <a:r>
-              <a:rPr lang="fr-FR" smtClean="0"/>
+              <a:rPr lang="fr-FR"/>
               <a:t>Modifiez les styles du texte du masque</a:t>
             </a:r>
           </a:p>
           <a:p>
             <a:pPr lvl="1"/>
             <a:r>
-              <a:rPr lang="fr-FR" smtClean="0"/>
+              <a:rPr lang="fr-FR"/>
               <a:t>Deuxième niveau</a:t>
             </a:r>
           </a:p>
           <a:p>
             <a:pPr lvl="2"/>
             <a:r>
-              <a:rPr lang="fr-FR" smtClean="0"/>
+              <a:rPr lang="fr-FR"/>
               <a:t>Troisième niveau</a:t>
             </a:r>
           </a:p>
           <a:p>
             <a:pPr lvl="3"/>
             <a:r>
-              <a:rPr lang="fr-FR" smtClean="0"/>
+              <a:rPr lang="fr-FR"/>
               <a:t>Quatrième niveau</a:t>
             </a:r>
           </a:p>
           <a:p>
             <a:pPr lvl="4"/>
             <a:r>
-              <a:rPr lang="fr-FR" smtClean="0"/>
+              <a:rPr lang="fr-FR"/>
               <a:t>Cinquième niveau</a:t>
             </a:r>
-            <a:endParaRPr lang="fr-FR"/>
           </a:p>
         </p:txBody>
       </p:sp>
@@ -638,7 +652,7 @@
           <a:p>
             <a:fld id="{719B646B-87A8-489B-B448-07D8E116DD53}" type="datetimeFigureOut">
               <a:rPr lang="fr-FR" smtClean="0"/>
-              <a:t>19/06/2016</a:t>
+              <a:t>11/12/2016</a:t>
             </a:fld>
             <a:endParaRPr lang="fr-FR"/>
           </a:p>
@@ -732,10 +746,9 @@
           <a:lstStyle/>
           <a:p>
             <a:r>
-              <a:rPr lang="fr-FR" smtClean="0"/>
+              <a:rPr lang="fr-FR"/>
               <a:t>Modifiez le style du titre</a:t>
             </a:r>
-            <a:endParaRPr lang="fr-FR"/>
           </a:p>
         </p:txBody>
       </p:sp>
@@ -756,38 +769,37 @@
           <a:p>
             <a:pPr lvl="0"/>
             <a:r>
-              <a:rPr lang="fr-FR" smtClean="0"/>
+              <a:rPr lang="fr-FR"/>
               <a:t>Modifiez les styles du texte du masque</a:t>
             </a:r>
           </a:p>
           <a:p>
             <a:pPr lvl="1"/>
             <a:r>
-              <a:rPr lang="fr-FR" smtClean="0"/>
+              <a:rPr lang="fr-FR"/>
               <a:t>Deuxième niveau</a:t>
             </a:r>
           </a:p>
           <a:p>
             <a:pPr lvl="2"/>
             <a:r>
-              <a:rPr lang="fr-FR" smtClean="0"/>
+              <a:rPr lang="fr-FR"/>
               <a:t>Troisième niveau</a:t>
             </a:r>
           </a:p>
           <a:p>
             <a:pPr lvl="3"/>
             <a:r>
-              <a:rPr lang="fr-FR" smtClean="0"/>
+              <a:rPr lang="fr-FR"/>
               <a:t>Quatrième niveau</a:t>
             </a:r>
           </a:p>
           <a:p>
             <a:pPr lvl="4"/>
             <a:r>
-              <a:rPr lang="fr-FR" smtClean="0"/>
+              <a:rPr lang="fr-FR"/>
               <a:t>Cinquième niveau</a:t>
             </a:r>
-            <a:endParaRPr lang="fr-FR"/>
           </a:p>
         </p:txBody>
       </p:sp>
@@ -808,7 +820,7 @@
           <a:p>
             <a:fld id="{719B646B-87A8-489B-B448-07D8E116DD53}" type="datetimeFigureOut">
               <a:rPr lang="fr-FR" smtClean="0"/>
-              <a:t>19/06/2016</a:t>
+              <a:t>11/12/2016</a:t>
             </a:fld>
             <a:endParaRPr lang="fr-FR"/>
           </a:p>
@@ -911,10 +923,9 @@
           </a:lstStyle>
           <a:p>
             <a:r>
-              <a:rPr lang="fr-FR" smtClean="0"/>
+              <a:rPr lang="fr-FR"/>
               <a:t>Modifiez le style du titre</a:t>
             </a:r>
-            <a:endParaRPr lang="fr-FR"/>
           </a:p>
         </p:txBody>
       </p:sp>
@@ -1031,7 +1042,7 @@
           <a:p>
             <a:pPr lvl="0"/>
             <a:r>
-              <a:rPr lang="fr-FR" smtClean="0"/>
+              <a:rPr lang="fr-FR"/>
               <a:t>Modifiez les styles du texte du masque</a:t>
             </a:r>
           </a:p>
@@ -1054,7 +1065,7 @@
           <a:p>
             <a:fld id="{719B646B-87A8-489B-B448-07D8E116DD53}" type="datetimeFigureOut">
               <a:rPr lang="fr-FR" smtClean="0"/>
-              <a:t>19/06/2016</a:t>
+              <a:t>11/12/2016</a:t>
             </a:fld>
             <a:endParaRPr lang="fr-FR"/>
           </a:p>
@@ -1148,10 +1159,9 @@
           <a:lstStyle/>
           <a:p>
             <a:r>
-              <a:rPr lang="fr-FR" smtClean="0"/>
+              <a:rPr lang="fr-FR"/>
               <a:t>Modifiez le style du titre</a:t>
             </a:r>
-            <a:endParaRPr lang="fr-FR"/>
           </a:p>
         </p:txBody>
       </p:sp>
@@ -1205,38 +1215,37 @@
           <a:p>
             <a:pPr lvl="0"/>
             <a:r>
-              <a:rPr lang="fr-FR" smtClean="0"/>
+              <a:rPr lang="fr-FR"/>
               <a:t>Modifiez les styles du texte du masque</a:t>
             </a:r>
           </a:p>
           <a:p>
             <a:pPr lvl="1"/>
             <a:r>
-              <a:rPr lang="fr-FR" smtClean="0"/>
+              <a:rPr lang="fr-FR"/>
               <a:t>Deuxième niveau</a:t>
             </a:r>
           </a:p>
           <a:p>
             <a:pPr lvl="2"/>
             <a:r>
-              <a:rPr lang="fr-FR" smtClean="0"/>
+              <a:rPr lang="fr-FR"/>
               <a:t>Troisième niveau</a:t>
             </a:r>
           </a:p>
           <a:p>
             <a:pPr lvl="3"/>
             <a:r>
-              <a:rPr lang="fr-FR" smtClean="0"/>
+              <a:rPr lang="fr-FR"/>
               <a:t>Quatrième niveau</a:t>
             </a:r>
           </a:p>
           <a:p>
             <a:pPr lvl="4"/>
             <a:r>
-              <a:rPr lang="fr-FR" smtClean="0"/>
+              <a:rPr lang="fr-FR"/>
               <a:t>Cinquième niveau</a:t>
             </a:r>
-            <a:endParaRPr lang="fr-FR"/>
           </a:p>
         </p:txBody>
       </p:sp>
@@ -1290,38 +1299,37 @@
           <a:p>
             <a:pPr lvl="0"/>
             <a:r>
-              <a:rPr lang="fr-FR" smtClean="0"/>
+              <a:rPr lang="fr-FR"/>
               <a:t>Modifiez les styles du texte du masque</a:t>
             </a:r>
           </a:p>
           <a:p>
             <a:pPr lvl="1"/>
             <a:r>
-              <a:rPr lang="fr-FR" smtClean="0"/>
+              <a:rPr lang="fr-FR"/>
               <a:t>Deuxième niveau</a:t>
             </a:r>
           </a:p>
           <a:p>
             <a:pPr lvl="2"/>
             <a:r>
-              <a:rPr lang="fr-FR" smtClean="0"/>
+              <a:rPr lang="fr-FR"/>
               <a:t>Troisième niveau</a:t>
             </a:r>
           </a:p>
           <a:p>
             <a:pPr lvl="3"/>
             <a:r>
-              <a:rPr lang="fr-FR" smtClean="0"/>
+              <a:rPr lang="fr-FR"/>
               <a:t>Quatrième niveau</a:t>
             </a:r>
           </a:p>
           <a:p>
             <a:pPr lvl="4"/>
             <a:r>
-              <a:rPr lang="fr-FR" smtClean="0"/>
+              <a:rPr lang="fr-FR"/>
               <a:t>Cinquième niveau</a:t>
             </a:r>
-            <a:endParaRPr lang="fr-FR"/>
           </a:p>
         </p:txBody>
       </p:sp>
@@ -1342,7 +1350,7 @@
           <a:p>
             <a:fld id="{719B646B-87A8-489B-B448-07D8E116DD53}" type="datetimeFigureOut">
               <a:rPr lang="fr-FR" smtClean="0"/>
-              <a:t>19/06/2016</a:t>
+              <a:t>11/12/2016</a:t>
             </a:fld>
             <a:endParaRPr lang="fr-FR"/>
           </a:p>
@@ -1440,10 +1448,9 @@
           </a:lstStyle>
           <a:p>
             <a:r>
-              <a:rPr lang="fr-FR" smtClean="0"/>
+              <a:rPr lang="fr-FR"/>
               <a:t>Modifiez le style du titre</a:t>
             </a:r>
-            <a:endParaRPr lang="fr-FR"/>
           </a:p>
         </p:txBody>
       </p:sp>
@@ -1506,7 +1513,7 @@
           <a:p>
             <a:pPr lvl="0"/>
             <a:r>
-              <a:rPr lang="fr-FR" smtClean="0"/>
+              <a:rPr lang="fr-FR"/>
               <a:t>Modifiez les styles du texte du masque</a:t>
             </a:r>
           </a:p>
@@ -1562,38 +1569,37 @@
           <a:p>
             <a:pPr lvl="0"/>
             <a:r>
-              <a:rPr lang="fr-FR" smtClean="0"/>
+              <a:rPr lang="fr-FR"/>
               <a:t>Modifiez les styles du texte du masque</a:t>
             </a:r>
           </a:p>
           <a:p>
             <a:pPr lvl="1"/>
             <a:r>
-              <a:rPr lang="fr-FR" smtClean="0"/>
+              <a:rPr lang="fr-FR"/>
               <a:t>Deuxième niveau</a:t>
             </a:r>
           </a:p>
           <a:p>
             <a:pPr lvl="2"/>
             <a:r>
-              <a:rPr lang="fr-FR" smtClean="0"/>
+              <a:rPr lang="fr-FR"/>
               <a:t>Troisième niveau</a:t>
             </a:r>
           </a:p>
           <a:p>
             <a:pPr lvl="3"/>
             <a:r>
-              <a:rPr lang="fr-FR" smtClean="0"/>
+              <a:rPr lang="fr-FR"/>
               <a:t>Quatrième niveau</a:t>
             </a:r>
           </a:p>
           <a:p>
             <a:pPr lvl="4"/>
             <a:r>
-              <a:rPr lang="fr-FR" smtClean="0"/>
+              <a:rPr lang="fr-FR"/>
               <a:t>Cinquième niveau</a:t>
             </a:r>
-            <a:endParaRPr lang="fr-FR"/>
           </a:p>
         </p:txBody>
       </p:sp>
@@ -1656,7 +1662,7 @@
           <a:p>
             <a:pPr lvl="0"/>
             <a:r>
-              <a:rPr lang="fr-FR" smtClean="0"/>
+              <a:rPr lang="fr-FR"/>
               <a:t>Modifiez les styles du texte du masque</a:t>
             </a:r>
           </a:p>
@@ -1712,38 +1718,37 @@
           <a:p>
             <a:pPr lvl="0"/>
             <a:r>
-              <a:rPr lang="fr-FR" smtClean="0"/>
+              <a:rPr lang="fr-FR"/>
               <a:t>Modifiez les styles du texte du masque</a:t>
             </a:r>
           </a:p>
           <a:p>
             <a:pPr lvl="1"/>
             <a:r>
-              <a:rPr lang="fr-FR" smtClean="0"/>
+              <a:rPr lang="fr-FR"/>
               <a:t>Deuxième niveau</a:t>
             </a:r>
           </a:p>
           <a:p>
             <a:pPr lvl="2"/>
             <a:r>
-              <a:rPr lang="fr-FR" smtClean="0"/>
+              <a:rPr lang="fr-FR"/>
               <a:t>Troisième niveau</a:t>
             </a:r>
           </a:p>
           <a:p>
             <a:pPr lvl="3"/>
             <a:r>
-              <a:rPr lang="fr-FR" smtClean="0"/>
+              <a:rPr lang="fr-FR"/>
               <a:t>Quatrième niveau</a:t>
             </a:r>
           </a:p>
           <a:p>
             <a:pPr lvl="4"/>
             <a:r>
-              <a:rPr lang="fr-FR" smtClean="0"/>
+              <a:rPr lang="fr-FR"/>
               <a:t>Cinquième niveau</a:t>
             </a:r>
-            <a:endParaRPr lang="fr-FR"/>
           </a:p>
         </p:txBody>
       </p:sp>
@@ -1764,7 +1769,7 @@
           <a:p>
             <a:fld id="{719B646B-87A8-489B-B448-07D8E116DD53}" type="datetimeFigureOut">
               <a:rPr lang="fr-FR" smtClean="0"/>
-              <a:t>19/06/2016</a:t>
+              <a:t>11/12/2016</a:t>
             </a:fld>
             <a:endParaRPr lang="fr-FR"/>
           </a:p>
@@ -1858,10 +1863,9 @@
           <a:lstStyle/>
           <a:p>
             <a:r>
-              <a:rPr lang="fr-FR" smtClean="0"/>
+              <a:rPr lang="fr-FR"/>
               <a:t>Modifiez le style du titre</a:t>
             </a:r>
-            <a:endParaRPr lang="fr-FR"/>
           </a:p>
         </p:txBody>
       </p:sp>
@@ -1882,7 +1886,7 @@
           <a:p>
             <a:fld id="{719B646B-87A8-489B-B448-07D8E116DD53}" type="datetimeFigureOut">
               <a:rPr lang="fr-FR" smtClean="0"/>
-              <a:t>19/06/2016</a:t>
+              <a:t>11/12/2016</a:t>
             </a:fld>
             <a:endParaRPr lang="fr-FR"/>
           </a:p>
@@ -1977,7 +1981,7 @@
           <a:p>
             <a:fld id="{719B646B-87A8-489B-B448-07D8E116DD53}" type="datetimeFigureOut">
               <a:rPr lang="fr-FR" smtClean="0"/>
-              <a:t>19/06/2016</a:t>
+              <a:t>11/12/2016</a:t>
             </a:fld>
             <a:endParaRPr lang="fr-FR"/>
           </a:p>
@@ -2080,10 +2084,9 @@
           </a:lstStyle>
           <a:p>
             <a:r>
-              <a:rPr lang="fr-FR" smtClean="0"/>
+              <a:rPr lang="fr-FR"/>
               <a:t>Modifiez le style du titre</a:t>
             </a:r>
-            <a:endParaRPr lang="fr-FR"/>
           </a:p>
         </p:txBody>
       </p:sp>
@@ -2137,38 +2140,37 @@
           <a:p>
             <a:pPr lvl="0"/>
             <a:r>
-              <a:rPr lang="fr-FR" smtClean="0"/>
+              <a:rPr lang="fr-FR"/>
               <a:t>Modifiez les styles du texte du masque</a:t>
             </a:r>
           </a:p>
           <a:p>
             <a:pPr lvl="1"/>
             <a:r>
-              <a:rPr lang="fr-FR" smtClean="0"/>
+              <a:rPr lang="fr-FR"/>
               <a:t>Deuxième niveau</a:t>
             </a:r>
           </a:p>
           <a:p>
             <a:pPr lvl="2"/>
             <a:r>
-              <a:rPr lang="fr-FR" smtClean="0"/>
+              <a:rPr lang="fr-FR"/>
               <a:t>Troisième niveau</a:t>
             </a:r>
           </a:p>
           <a:p>
             <a:pPr lvl="3"/>
             <a:r>
-              <a:rPr lang="fr-FR" smtClean="0"/>
+              <a:rPr lang="fr-FR"/>
               <a:t>Quatrième niveau</a:t>
             </a:r>
           </a:p>
           <a:p>
             <a:pPr lvl="4"/>
             <a:r>
-              <a:rPr lang="fr-FR" smtClean="0"/>
+              <a:rPr lang="fr-FR"/>
               <a:t>Cinquième niveau</a:t>
             </a:r>
-            <a:endParaRPr lang="fr-FR"/>
           </a:p>
         </p:txBody>
       </p:sp>
@@ -2231,7 +2233,7 @@
           <a:p>
             <a:pPr lvl="0"/>
             <a:r>
-              <a:rPr lang="fr-FR" smtClean="0"/>
+              <a:rPr lang="fr-FR"/>
               <a:t>Modifiez les styles du texte du masque</a:t>
             </a:r>
           </a:p>
@@ -2254,7 +2256,7 @@
           <a:p>
             <a:fld id="{719B646B-87A8-489B-B448-07D8E116DD53}" type="datetimeFigureOut">
               <a:rPr lang="fr-FR" smtClean="0"/>
-              <a:t>19/06/2016</a:t>
+              <a:t>11/12/2016</a:t>
             </a:fld>
             <a:endParaRPr lang="fr-FR"/>
           </a:p>
@@ -2357,10 +2359,9 @@
           </a:lstStyle>
           <a:p>
             <a:r>
-              <a:rPr lang="fr-FR" smtClean="0"/>
+              <a:rPr lang="fr-FR"/>
               <a:t>Modifiez le style du titre</a:t>
             </a:r>
-            <a:endParaRPr lang="fr-FR"/>
           </a:p>
         </p:txBody>
       </p:sp>
@@ -2484,7 +2485,7 @@
           <a:p>
             <a:pPr lvl="0"/>
             <a:r>
-              <a:rPr lang="fr-FR" smtClean="0"/>
+              <a:rPr lang="fr-FR"/>
               <a:t>Modifiez les styles du texte du masque</a:t>
             </a:r>
           </a:p>
@@ -2507,7 +2508,7 @@
           <a:p>
             <a:fld id="{719B646B-87A8-489B-B448-07D8E116DD53}" type="datetimeFigureOut">
               <a:rPr lang="fr-FR" smtClean="0"/>
-              <a:t>19/06/2016</a:t>
+              <a:t>11/12/2016</a:t>
             </a:fld>
             <a:endParaRPr lang="fr-FR"/>
           </a:p>
@@ -2616,10 +2617,9 @@
           <a:lstStyle/>
           <a:p>
             <a:r>
-              <a:rPr lang="fr-FR" smtClean="0"/>
+              <a:rPr lang="fr-FR"/>
               <a:t>Modifiez le style du titre</a:t>
             </a:r>
-            <a:endParaRPr lang="fr-FR"/>
           </a:p>
         </p:txBody>
       </p:sp>
@@ -2650,38 +2650,37 @@
           <a:p>
             <a:pPr lvl="0"/>
             <a:r>
-              <a:rPr lang="fr-FR" smtClean="0"/>
+              <a:rPr lang="fr-FR"/>
               <a:t>Modifiez les styles du texte du masque</a:t>
             </a:r>
           </a:p>
           <a:p>
             <a:pPr lvl="1"/>
             <a:r>
-              <a:rPr lang="fr-FR" smtClean="0"/>
+              <a:rPr lang="fr-FR"/>
               <a:t>Deuxième niveau</a:t>
             </a:r>
           </a:p>
           <a:p>
             <a:pPr lvl="2"/>
             <a:r>
-              <a:rPr lang="fr-FR" smtClean="0"/>
+              <a:rPr lang="fr-FR"/>
               <a:t>Troisième niveau</a:t>
             </a:r>
           </a:p>
           <a:p>
             <a:pPr lvl="3"/>
             <a:r>
-              <a:rPr lang="fr-FR" smtClean="0"/>
+              <a:rPr lang="fr-FR"/>
               <a:t>Quatrième niveau</a:t>
             </a:r>
           </a:p>
           <a:p>
             <a:pPr lvl="4"/>
             <a:r>
-              <a:rPr lang="fr-FR" smtClean="0"/>
+              <a:rPr lang="fr-FR"/>
               <a:t>Cinquième niveau</a:t>
             </a:r>
-            <a:endParaRPr lang="fr-FR"/>
           </a:p>
         </p:txBody>
       </p:sp>
@@ -2720,7 +2719,7 @@
           <a:p>
             <a:fld id="{719B646B-87A8-489B-B448-07D8E116DD53}" type="datetimeFigureOut">
               <a:rPr lang="fr-FR" smtClean="0"/>
-              <a:t>18/06/2016</a:t>
+              <a:t>11/12/2016</a:t>
             </a:fld>
             <a:endParaRPr lang="fr-FR"/>
           </a:p>
@@ -3104,14 +3103,14 @@
           <p:nvPr>
             <p:extLst>
               <p:ext uri="{D42A27DB-BD31-4B8C-83A1-F6EECF244321}">
-                <p14:modId xmlns:p14="http://schemas.microsoft.com/office/powerpoint/2010/main" val="2211290345"/>
+                <p14:modId xmlns:p14="http://schemas.microsoft.com/office/powerpoint/2010/main" val="3507615252"/>
               </p:ext>
             </p:extLst>
           </p:nvPr>
         </p:nvGraphicFramePr>
         <p:xfrm>
-          <a:off x="251520" y="404664"/>
-          <a:ext cx="8640960" cy="6120680"/>
+          <a:off x="251520" y="404665"/>
+          <a:ext cx="8640960" cy="6048670"/>
         </p:xfrm>
         <a:graphic>
           <a:graphicData uri="http://schemas.openxmlformats.org/drawingml/2006/table">
@@ -3120,12 +3119,30 @@
                 <a:tableStyleId>{5940675A-B579-460E-94D1-54222C63F5DA}</a:tableStyleId>
               </a:tblPr>
               <a:tblGrid>
-                <a:gridCol w="2592288"/>
-                <a:gridCol w="1728192"/>
-                <a:gridCol w="4320480"/>
+                <a:gridCol w="2592288">
+                  <a:extLst>
+                    <a:ext uri="{9D8B030D-6E8A-4147-A177-3AD203B41FA5}">
+                      <a16:colId xmlns:a16="http://schemas.microsoft.com/office/drawing/2014/main" val="20000"/>
+                    </a:ext>
+                  </a:extLst>
+                </a:gridCol>
+                <a:gridCol w="1728192">
+                  <a:extLst>
+                    <a:ext uri="{9D8B030D-6E8A-4147-A177-3AD203B41FA5}">
+                      <a16:colId xmlns:a16="http://schemas.microsoft.com/office/drawing/2014/main" val="20001"/>
+                    </a:ext>
+                  </a:extLst>
+                </a:gridCol>
+                <a:gridCol w="4320480">
+                  <a:extLst>
+                    <a:ext uri="{9D8B030D-6E8A-4147-A177-3AD203B41FA5}">
+                      <a16:colId xmlns:a16="http://schemas.microsoft.com/office/drawing/2014/main" val="20002"/>
+                    </a:ext>
+                  </a:extLst>
+                </a:gridCol>
               </a:tblGrid>
-              <a:tr h="765085">
-                <a:tc rowSpan="3">
+              <a:tr h="494890">
+                <a:tc rowSpan="4">
                   <a:txBody>
                     <a:bodyPr/>
                     <a:lstStyle/>
@@ -3140,6 +3157,125 @@
                     <a:bodyPr/>
                     <a:lstStyle/>
                     <a:p>
+                      <a:r>
+                        <a:rPr lang="fr-FR" dirty="0"/>
+                        <a:t>Nom:</a:t>
+                      </a:r>
+                    </a:p>
+                  </a:txBody>
+                  <a:tcPr/>
+                </a:tc>
+                <a:tc>
+                  <a:txBody>
+                    <a:bodyPr/>
+                    <a:lstStyle/>
+                    <a:p>
+                      <a:r>
+                        <a:rPr lang="fr-FR" dirty="0"/>
+                        <a:t>Héro</a:t>
+                      </a:r>
+                    </a:p>
+                  </a:txBody>
+                  <a:tcPr/>
+                </a:tc>
+                <a:extLst>
+                  <a:ext uri="{0D108BD9-81ED-4DB2-BD59-A6C34878D82A}">
+                    <a16:rowId xmlns:a16="http://schemas.microsoft.com/office/drawing/2014/main" val="10000"/>
+                  </a:ext>
+                </a:extLst>
+              </a:tr>
+              <a:tr h="494891">
+                <a:tc vMerge="1">
+                  <a:txBody>
+                    <a:bodyPr/>
+                    <a:lstStyle/>
+                    <a:p>
+                      <a:endParaRPr lang="fr-FR"/>
+                    </a:p>
+                  </a:txBody>
+                  <a:tcPr/>
+                </a:tc>
+                <a:tc>
+                  <a:txBody>
+                    <a:bodyPr/>
+                    <a:lstStyle/>
+                    <a:p>
+                      <a:r>
+                        <a:rPr lang="fr-FR" dirty="0"/>
+                        <a:t>Age:</a:t>
+                      </a:r>
+                    </a:p>
+                  </a:txBody>
+                  <a:tcPr/>
+                </a:tc>
+                <a:tc>
+                  <a:txBody>
+                    <a:bodyPr/>
+                    <a:lstStyle/>
+                    <a:p>
+                      <a:r>
+                        <a:rPr lang="fr-FR" dirty="0"/>
+                        <a:t>16</a:t>
+                      </a:r>
+                    </a:p>
+                  </a:txBody>
+                  <a:tcPr/>
+                </a:tc>
+                <a:extLst>
+                  <a:ext uri="{0D108BD9-81ED-4DB2-BD59-A6C34878D82A}">
+                    <a16:rowId xmlns:a16="http://schemas.microsoft.com/office/drawing/2014/main" val="10001"/>
+                  </a:ext>
+                </a:extLst>
+              </a:tr>
+              <a:tr h="494891">
+                <a:tc vMerge="1">
+                  <a:txBody>
+                    <a:bodyPr/>
+                    <a:lstStyle/>
+                    <a:p>
+                      <a:endParaRPr lang="fr-FR"/>
+                    </a:p>
+                  </a:txBody>
+                  <a:tcPr/>
+                </a:tc>
+                <a:tc>
+                  <a:txBody>
+                    <a:bodyPr/>
+                    <a:lstStyle/>
+                    <a:p>
+                      <a:r>
+                        <a:rPr lang="fr-FR" dirty="0"/>
+                        <a:t>Sexe:</a:t>
+                      </a:r>
+                    </a:p>
+                  </a:txBody>
+                  <a:tcPr/>
+                </a:tc>
+                <a:tc>
+                  <a:txBody>
+                    <a:bodyPr/>
+                    <a:lstStyle/>
+                    <a:p>
+                      <a:r>
+                        <a:rPr lang="fr-FR" dirty="0"/>
+                        <a:t>Homme</a:t>
+                      </a:r>
+                    </a:p>
+                  </a:txBody>
+                  <a:tcPr/>
+                </a:tc>
+                <a:extLst>
+                  <a:ext uri="{0D108BD9-81ED-4DB2-BD59-A6C34878D82A}">
+                    <a16:rowId xmlns:a16="http://schemas.microsoft.com/office/drawing/2014/main" val="10002"/>
+                  </a:ext>
+                </a:extLst>
+              </a:tr>
+              <a:tr h="577373">
+                <a:tc vMerge="1">
+                  <a:txBody>
+                    <a:bodyPr/>
+                    <a:lstStyle/>
+                    <a:p>
                       <a:endParaRPr lang="fr-FR" dirty="0"/>
                     </a:p>
                   </a:txBody>
@@ -3150,14 +3286,55 @@
                     <a:bodyPr/>
                     <a:lstStyle/>
                     <a:p>
+                      <a:r>
+                        <a:rPr lang="fr-FR" dirty="0"/>
+                        <a:t>Classe:</a:t>
+                      </a:r>
+                    </a:p>
+                  </a:txBody>
+                  <a:tcPr/>
+                </a:tc>
+                <a:tc>
+                  <a:txBody>
+                    <a:bodyPr/>
+                    <a:lstStyle/>
+                    <a:p>
+                      <a:r>
+                        <a:rPr lang="fr-FR" dirty="0"/>
+                        <a:t>Aventurier</a:t>
+                      </a:r>
+                    </a:p>
+                  </a:txBody>
+                  <a:tcPr/>
+                </a:tc>
+                <a:extLst>
+                  <a:ext uri="{0D108BD9-81ED-4DB2-BD59-A6C34878D82A}">
+                    <a16:rowId xmlns:a16="http://schemas.microsoft.com/office/drawing/2014/main" val="2763933188"/>
+                  </a:ext>
+                </a:extLst>
+              </a:tr>
+              <a:tr h="3986625">
+                <a:tc gridSpan="3">
+                  <a:txBody>
+                    <a:bodyPr/>
+                    <a:lstStyle/>
+                    <a:p>
                       <a:endParaRPr lang="fr-FR" dirty="0"/>
                     </a:p>
                   </a:txBody>
                   <a:tcPr/>
                 </a:tc>
-              </a:tr>
-              <a:tr h="765085">
-                <a:tc vMerge="1">
+                <a:tc hMerge="1">
+                  <a:txBody>
+                    <a:bodyPr/>
+                    <a:lstStyle/>
+                    <a:p>
+                      <a:endParaRPr lang="fr-FR" dirty="0"/>
+                    </a:p>
+                  </a:txBody>
+                  <a:tcPr/>
+                </a:tc>
+                <a:tc hMerge="1">
                   <a:txBody>
                     <a:bodyPr/>
                     <a:lstStyle/>
@@ -3167,99 +3344,1325 @@
                   </a:txBody>
                   <a:tcPr/>
                 </a:tc>
-                <a:tc>
-                  <a:txBody>
-                    <a:bodyPr/>
-                    <a:lstStyle/>
-                    <a:p>
-                      <a:endParaRPr lang="fr-FR" dirty="0"/>
-                    </a:p>
-                  </a:txBody>
-                  <a:tcPr/>
-                </a:tc>
-                <a:tc>
-                  <a:txBody>
-                    <a:bodyPr/>
-                    <a:lstStyle/>
-                    <a:p>
-                      <a:endParaRPr lang="fr-FR" dirty="0"/>
-                    </a:p>
-                  </a:txBody>
-                  <a:tcPr/>
-                </a:tc>
-              </a:tr>
-              <a:tr h="765085">
-                <a:tc vMerge="1">
-                  <a:txBody>
-                    <a:bodyPr/>
-                    <a:lstStyle/>
-                    <a:p>
-                      <a:endParaRPr lang="fr-FR"/>
-                    </a:p>
-                  </a:txBody>
-                  <a:tcPr/>
-                </a:tc>
-                <a:tc>
-                  <a:txBody>
-                    <a:bodyPr/>
-                    <a:lstStyle/>
-                    <a:p>
-                      <a:endParaRPr lang="fr-FR" dirty="0"/>
-                    </a:p>
-                  </a:txBody>
-                  <a:tcPr/>
-                </a:tc>
-                <a:tc>
-                  <a:txBody>
-                    <a:bodyPr/>
-                    <a:lstStyle/>
-                    <a:p>
-                      <a:endParaRPr lang="fr-FR" dirty="0"/>
-                    </a:p>
-                  </a:txBody>
-                  <a:tcPr/>
-                </a:tc>
-              </a:tr>
-              <a:tr h="3825425">
-                <a:tc gridSpan="3">
-                  <a:txBody>
-                    <a:bodyPr/>
-                    <a:lstStyle/>
-                    <a:p>
-                      <a:endParaRPr lang="fr-FR" dirty="0"/>
-                    </a:p>
-                  </a:txBody>
-                  <a:tcPr/>
-                </a:tc>
-                <a:tc hMerge="1">
-                  <a:txBody>
-                    <a:bodyPr/>
-                    <a:lstStyle/>
-                    <a:p>
-                      <a:endParaRPr lang="fr-FR" dirty="0"/>
-                    </a:p>
-                  </a:txBody>
-                  <a:tcPr/>
-                </a:tc>
-                <a:tc hMerge="1">
-                  <a:txBody>
-                    <a:bodyPr/>
-                    <a:lstStyle/>
-                    <a:p>
-                      <a:endParaRPr lang="fr-FR"/>
-                    </a:p>
-                  </a:txBody>
-                  <a:tcPr/>
-                </a:tc>
+                <a:extLst>
+                  <a:ext uri="{0D108BD9-81ED-4DB2-BD59-A6C34878D82A}">
+                    <a16:rowId xmlns:a16="http://schemas.microsoft.com/office/drawing/2014/main" val="10003"/>
+                  </a:ext>
+                </a:extLst>
               </a:tr>
             </a:tbl>
           </a:graphicData>
         </a:graphic>
       </p:graphicFrame>
+      <p:pic>
+        <p:nvPicPr>
+          <p:cNvPr id="2" name="Image 1"/>
+          <p:cNvPicPr>
+            <a:picLocks noChangeAspect="1"/>
+          </p:cNvPicPr>
+          <p:nvPr/>
+        </p:nvPicPr>
+        <p:blipFill rotWithShape="1">
+          <a:blip r:embed="rId2">
+            <a:extLst>
+              <a:ext uri="{28A0092B-C50C-407E-A947-70E740481C1C}">
+                <a14:useLocalDpi xmlns:a14="http://schemas.microsoft.com/office/drawing/2010/main" val="0"/>
+              </a:ext>
+            </a:extLst>
+          </a:blip>
+          <a:srcRect r="75393" b="50786"/>
+          <a:stretch/>
+        </p:blipFill>
+        <p:spPr>
+          <a:xfrm>
+            <a:off x="683568" y="548680"/>
+            <a:ext cx="1800200" cy="1800200"/>
+          </a:xfrm>
+          <a:prstGeom prst="rect">
+            <a:avLst/>
+          </a:prstGeom>
+        </p:spPr>
+      </p:pic>
     </p:spTree>
     <p:extLst>
       <p:ext uri="{BB962C8B-B14F-4D97-AF65-F5344CB8AC3E}">
         <p14:creationId xmlns:p14="http://schemas.microsoft.com/office/powerpoint/2010/main" val="3031187150"/>
+      </p:ext>
+    </p:extLst>
+  </p:cSld>
+  <p:clrMapOvr>
+    <a:masterClrMapping/>
+  </p:clrMapOvr>
+</p:sld>
+</file>
+
+<file path=ppt/slides/slide2.xml><?xml version="1.0" encoding="utf-8"?>
+<p:sld xmlns:a="http://schemas.openxmlformats.org/drawingml/2006/main" xmlns:r="http://schemas.openxmlformats.org/officeDocument/2006/relationships" xmlns:p="http://schemas.openxmlformats.org/presentationml/2006/main">
+  <p:cSld>
+    <p:spTree>
+      <p:nvGrpSpPr>
+        <p:cNvPr id="1" name=""/>
+        <p:cNvGrpSpPr/>
+        <p:nvPr/>
+      </p:nvGrpSpPr>
+      <p:grpSpPr>
+        <a:xfrm>
+          <a:off x="0" y="0"/>
+          <a:ext cx="0" cy="0"/>
+          <a:chOff x="0" y="0"/>
+          <a:chExt cx="0" cy="0"/>
+        </a:xfrm>
+      </p:grpSpPr>
+      <p:graphicFrame>
+        <p:nvGraphicFramePr>
+          <p:cNvPr id="4" name="Tableau 3"/>
+          <p:cNvGraphicFramePr>
+            <a:graphicFrameLocks noGrp="1"/>
+          </p:cNvGraphicFramePr>
+          <p:nvPr>
+            <p:extLst>
+              <p:ext uri="{D42A27DB-BD31-4B8C-83A1-F6EECF244321}">
+                <p14:modId xmlns:p14="http://schemas.microsoft.com/office/powerpoint/2010/main" val="306181768"/>
+              </p:ext>
+            </p:extLst>
+          </p:nvPr>
+        </p:nvGraphicFramePr>
+        <p:xfrm>
+          <a:off x="251520" y="404665"/>
+          <a:ext cx="8640960" cy="6048670"/>
+        </p:xfrm>
+        <a:graphic>
+          <a:graphicData uri="http://schemas.openxmlformats.org/drawingml/2006/table">
+            <a:tbl>
+              <a:tblPr firstRow="1" bandRow="1">
+                <a:tableStyleId>{5940675A-B579-460E-94D1-54222C63F5DA}</a:tableStyleId>
+              </a:tblPr>
+              <a:tblGrid>
+                <a:gridCol w="2592288">
+                  <a:extLst>
+                    <a:ext uri="{9D8B030D-6E8A-4147-A177-3AD203B41FA5}">
+                      <a16:colId xmlns:a16="http://schemas.microsoft.com/office/drawing/2014/main" val="20000"/>
+                    </a:ext>
+                  </a:extLst>
+                </a:gridCol>
+                <a:gridCol w="1728192">
+                  <a:extLst>
+                    <a:ext uri="{9D8B030D-6E8A-4147-A177-3AD203B41FA5}">
+                      <a16:colId xmlns:a16="http://schemas.microsoft.com/office/drawing/2014/main" val="20001"/>
+                    </a:ext>
+                  </a:extLst>
+                </a:gridCol>
+                <a:gridCol w="4320480">
+                  <a:extLst>
+                    <a:ext uri="{9D8B030D-6E8A-4147-A177-3AD203B41FA5}">
+                      <a16:colId xmlns:a16="http://schemas.microsoft.com/office/drawing/2014/main" val="20002"/>
+                    </a:ext>
+                  </a:extLst>
+                </a:gridCol>
+              </a:tblGrid>
+              <a:tr h="494890">
+                <a:tc rowSpan="4">
+                  <a:txBody>
+                    <a:bodyPr/>
+                    <a:lstStyle/>
+                    <a:p>
+                      <a:endParaRPr lang="fr-FR" dirty="0"/>
+                    </a:p>
+                  </a:txBody>
+                  <a:tcPr/>
+                </a:tc>
+                <a:tc>
+                  <a:txBody>
+                    <a:bodyPr/>
+                    <a:lstStyle/>
+                    <a:p>
+                      <a:r>
+                        <a:rPr lang="fr-FR" dirty="0"/>
+                        <a:t>Nom:</a:t>
+                      </a:r>
+                    </a:p>
+                  </a:txBody>
+                  <a:tcPr/>
+                </a:tc>
+                <a:tc>
+                  <a:txBody>
+                    <a:bodyPr/>
+                    <a:lstStyle/>
+                    <a:p>
+                      <a:r>
+                        <a:rPr lang="fr-FR" dirty="0"/>
+                        <a:t>Léonidas</a:t>
+                      </a:r>
+                    </a:p>
+                  </a:txBody>
+                  <a:tcPr/>
+                </a:tc>
+                <a:extLst>
+                  <a:ext uri="{0D108BD9-81ED-4DB2-BD59-A6C34878D82A}">
+                    <a16:rowId xmlns:a16="http://schemas.microsoft.com/office/drawing/2014/main" val="10000"/>
+                  </a:ext>
+                </a:extLst>
+              </a:tr>
+              <a:tr h="494891">
+                <a:tc vMerge="1">
+                  <a:txBody>
+                    <a:bodyPr/>
+                    <a:lstStyle/>
+                    <a:p>
+                      <a:endParaRPr lang="fr-FR"/>
+                    </a:p>
+                  </a:txBody>
+                  <a:tcPr/>
+                </a:tc>
+                <a:tc>
+                  <a:txBody>
+                    <a:bodyPr/>
+                    <a:lstStyle/>
+                    <a:p>
+                      <a:r>
+                        <a:rPr lang="fr-FR" dirty="0"/>
+                        <a:t>Age:</a:t>
+                      </a:r>
+                    </a:p>
+                  </a:txBody>
+                  <a:tcPr/>
+                </a:tc>
+                <a:tc>
+                  <a:txBody>
+                    <a:bodyPr/>
+                    <a:lstStyle/>
+                    <a:p>
+                      <a:r>
+                        <a:rPr lang="fr-FR" dirty="0"/>
+                        <a:t>27</a:t>
+                      </a:r>
+                    </a:p>
+                  </a:txBody>
+                  <a:tcPr/>
+                </a:tc>
+                <a:extLst>
+                  <a:ext uri="{0D108BD9-81ED-4DB2-BD59-A6C34878D82A}">
+                    <a16:rowId xmlns:a16="http://schemas.microsoft.com/office/drawing/2014/main" val="10001"/>
+                  </a:ext>
+                </a:extLst>
+              </a:tr>
+              <a:tr h="494891">
+                <a:tc vMerge="1">
+                  <a:txBody>
+                    <a:bodyPr/>
+                    <a:lstStyle/>
+                    <a:p>
+                      <a:endParaRPr lang="fr-FR"/>
+                    </a:p>
+                  </a:txBody>
+                  <a:tcPr/>
+                </a:tc>
+                <a:tc>
+                  <a:txBody>
+                    <a:bodyPr/>
+                    <a:lstStyle/>
+                    <a:p>
+                      <a:r>
+                        <a:rPr lang="fr-FR" dirty="0"/>
+                        <a:t>Sexe:</a:t>
+                      </a:r>
+                    </a:p>
+                  </a:txBody>
+                  <a:tcPr/>
+                </a:tc>
+                <a:tc>
+                  <a:txBody>
+                    <a:bodyPr/>
+                    <a:lstStyle/>
+                    <a:p>
+                      <a:r>
+                        <a:rPr lang="fr-FR" dirty="0"/>
+                        <a:t>Homme</a:t>
+                      </a:r>
+                    </a:p>
+                  </a:txBody>
+                  <a:tcPr/>
+                </a:tc>
+                <a:extLst>
+                  <a:ext uri="{0D108BD9-81ED-4DB2-BD59-A6C34878D82A}">
+                    <a16:rowId xmlns:a16="http://schemas.microsoft.com/office/drawing/2014/main" val="10002"/>
+                  </a:ext>
+                </a:extLst>
+              </a:tr>
+              <a:tr h="577373">
+                <a:tc vMerge="1">
+                  <a:txBody>
+                    <a:bodyPr/>
+                    <a:lstStyle/>
+                    <a:p>
+                      <a:endParaRPr lang="fr-FR" dirty="0"/>
+                    </a:p>
+                  </a:txBody>
+                  <a:tcPr/>
+                </a:tc>
+                <a:tc>
+                  <a:txBody>
+                    <a:bodyPr/>
+                    <a:lstStyle/>
+                    <a:p>
+                      <a:r>
+                        <a:rPr lang="fr-FR" dirty="0"/>
+                        <a:t>Classe:</a:t>
+                      </a:r>
+                    </a:p>
+                  </a:txBody>
+                  <a:tcPr/>
+                </a:tc>
+                <a:tc>
+                  <a:txBody>
+                    <a:bodyPr/>
+                    <a:lstStyle/>
+                    <a:p>
+                      <a:r>
+                        <a:rPr lang="fr-FR" dirty="0"/>
+                        <a:t>Mage</a:t>
+                      </a:r>
+                    </a:p>
+                  </a:txBody>
+                  <a:tcPr/>
+                </a:tc>
+                <a:extLst>
+                  <a:ext uri="{0D108BD9-81ED-4DB2-BD59-A6C34878D82A}">
+                    <a16:rowId xmlns:a16="http://schemas.microsoft.com/office/drawing/2014/main" val="2763933188"/>
+                  </a:ext>
+                </a:extLst>
+              </a:tr>
+              <a:tr h="3986625">
+                <a:tc gridSpan="3">
+                  <a:txBody>
+                    <a:bodyPr/>
+                    <a:lstStyle/>
+                    <a:p>
+                      <a:endParaRPr lang="fr-FR" dirty="0"/>
+                    </a:p>
+                  </a:txBody>
+                  <a:tcPr/>
+                </a:tc>
+                <a:tc hMerge="1">
+                  <a:txBody>
+                    <a:bodyPr/>
+                    <a:lstStyle/>
+                    <a:p>
+                      <a:endParaRPr lang="fr-FR" dirty="0"/>
+                    </a:p>
+                  </a:txBody>
+                  <a:tcPr/>
+                </a:tc>
+                <a:tc hMerge="1">
+                  <a:txBody>
+                    <a:bodyPr/>
+                    <a:lstStyle/>
+                    <a:p>
+                      <a:endParaRPr lang="fr-FR"/>
+                    </a:p>
+                  </a:txBody>
+                  <a:tcPr/>
+                </a:tc>
+                <a:extLst>
+                  <a:ext uri="{0D108BD9-81ED-4DB2-BD59-A6C34878D82A}">
+                    <a16:rowId xmlns:a16="http://schemas.microsoft.com/office/drawing/2014/main" val="10003"/>
+                  </a:ext>
+                </a:extLst>
+              </a:tr>
+            </a:tbl>
+          </a:graphicData>
+        </a:graphic>
+      </p:graphicFrame>
+      <p:pic>
+        <p:nvPicPr>
+          <p:cNvPr id="2" name="Image 1"/>
+          <p:cNvPicPr>
+            <a:picLocks noChangeAspect="1"/>
+          </p:cNvPicPr>
+          <p:nvPr/>
+        </p:nvPicPr>
+        <p:blipFill rotWithShape="1">
+          <a:blip r:embed="rId2">
+            <a:extLst>
+              <a:ext uri="{28A0092B-C50C-407E-A947-70E740481C1C}">
+                <a14:useLocalDpi xmlns:a14="http://schemas.microsoft.com/office/drawing/2010/main" val="0"/>
+              </a:ext>
+            </a:extLst>
+          </a:blip>
+          <a:srcRect r="75000" b="50000"/>
+          <a:stretch/>
+        </p:blipFill>
+        <p:spPr>
+          <a:xfrm>
+            <a:off x="611560" y="548680"/>
+            <a:ext cx="1800200" cy="1800200"/>
+          </a:xfrm>
+          <a:prstGeom prst="rect">
+            <a:avLst/>
+          </a:prstGeom>
+        </p:spPr>
+      </p:pic>
+    </p:spTree>
+    <p:extLst>
+      <p:ext uri="{BB962C8B-B14F-4D97-AF65-F5344CB8AC3E}">
+        <p14:creationId xmlns:p14="http://schemas.microsoft.com/office/powerpoint/2010/main" val="4190560162"/>
+      </p:ext>
+    </p:extLst>
+  </p:cSld>
+  <p:clrMapOvr>
+    <a:masterClrMapping/>
+  </p:clrMapOvr>
+</p:sld>
+</file>
+
+<file path=ppt/slides/slide3.xml><?xml version="1.0" encoding="utf-8"?>
+<p:sld xmlns:a="http://schemas.openxmlformats.org/drawingml/2006/main" xmlns:r="http://schemas.openxmlformats.org/officeDocument/2006/relationships" xmlns:p="http://schemas.openxmlformats.org/presentationml/2006/main">
+  <p:cSld>
+    <p:spTree>
+      <p:nvGrpSpPr>
+        <p:cNvPr id="1" name=""/>
+        <p:cNvGrpSpPr/>
+        <p:nvPr/>
+      </p:nvGrpSpPr>
+      <p:grpSpPr>
+        <a:xfrm>
+          <a:off x="0" y="0"/>
+          <a:ext cx="0" cy="0"/>
+          <a:chOff x="0" y="0"/>
+          <a:chExt cx="0" cy="0"/>
+        </a:xfrm>
+      </p:grpSpPr>
+      <p:graphicFrame>
+        <p:nvGraphicFramePr>
+          <p:cNvPr id="4" name="Tableau 3"/>
+          <p:cNvGraphicFramePr>
+            <a:graphicFrameLocks noGrp="1"/>
+          </p:cNvGraphicFramePr>
+          <p:nvPr>
+            <p:extLst>
+              <p:ext uri="{D42A27DB-BD31-4B8C-83A1-F6EECF244321}">
+                <p14:modId xmlns:p14="http://schemas.microsoft.com/office/powerpoint/2010/main" val="3055090748"/>
+              </p:ext>
+            </p:extLst>
+          </p:nvPr>
+        </p:nvGraphicFramePr>
+        <p:xfrm>
+          <a:off x="251520" y="404665"/>
+          <a:ext cx="8640960" cy="6048670"/>
+        </p:xfrm>
+        <a:graphic>
+          <a:graphicData uri="http://schemas.openxmlformats.org/drawingml/2006/table">
+            <a:tbl>
+              <a:tblPr firstRow="1" bandRow="1">
+                <a:tableStyleId>{5940675A-B579-460E-94D1-54222C63F5DA}</a:tableStyleId>
+              </a:tblPr>
+              <a:tblGrid>
+                <a:gridCol w="2592288">
+                  <a:extLst>
+                    <a:ext uri="{9D8B030D-6E8A-4147-A177-3AD203B41FA5}">
+                      <a16:colId xmlns:a16="http://schemas.microsoft.com/office/drawing/2014/main" val="20000"/>
+                    </a:ext>
+                  </a:extLst>
+                </a:gridCol>
+                <a:gridCol w="1728192">
+                  <a:extLst>
+                    <a:ext uri="{9D8B030D-6E8A-4147-A177-3AD203B41FA5}">
+                      <a16:colId xmlns:a16="http://schemas.microsoft.com/office/drawing/2014/main" val="20001"/>
+                    </a:ext>
+                  </a:extLst>
+                </a:gridCol>
+                <a:gridCol w="4320480">
+                  <a:extLst>
+                    <a:ext uri="{9D8B030D-6E8A-4147-A177-3AD203B41FA5}">
+                      <a16:colId xmlns:a16="http://schemas.microsoft.com/office/drawing/2014/main" val="20002"/>
+                    </a:ext>
+                  </a:extLst>
+                </a:gridCol>
+              </a:tblGrid>
+              <a:tr h="494890">
+                <a:tc rowSpan="4">
+                  <a:txBody>
+                    <a:bodyPr/>
+                    <a:lstStyle/>
+                    <a:p>
+                      <a:endParaRPr lang="fr-FR" dirty="0"/>
+                    </a:p>
+                  </a:txBody>
+                  <a:tcPr/>
+                </a:tc>
+                <a:tc>
+                  <a:txBody>
+                    <a:bodyPr/>
+                    <a:lstStyle/>
+                    <a:p>
+                      <a:r>
+                        <a:rPr lang="fr-FR" dirty="0"/>
+                        <a:t>Nom:</a:t>
+                      </a:r>
+                    </a:p>
+                  </a:txBody>
+                  <a:tcPr/>
+                </a:tc>
+                <a:tc>
+                  <a:txBody>
+                    <a:bodyPr/>
+                    <a:lstStyle/>
+                    <a:p>
+                      <a:r>
+                        <a:rPr lang="fr-FR" dirty="0"/>
+                        <a:t>Alice</a:t>
+                      </a:r>
+                    </a:p>
+                  </a:txBody>
+                  <a:tcPr/>
+                </a:tc>
+                <a:extLst>
+                  <a:ext uri="{0D108BD9-81ED-4DB2-BD59-A6C34878D82A}">
+                    <a16:rowId xmlns:a16="http://schemas.microsoft.com/office/drawing/2014/main" val="10000"/>
+                  </a:ext>
+                </a:extLst>
+              </a:tr>
+              <a:tr h="494891">
+                <a:tc vMerge="1">
+                  <a:txBody>
+                    <a:bodyPr/>
+                    <a:lstStyle/>
+                    <a:p>
+                      <a:endParaRPr lang="fr-FR"/>
+                    </a:p>
+                  </a:txBody>
+                  <a:tcPr/>
+                </a:tc>
+                <a:tc>
+                  <a:txBody>
+                    <a:bodyPr/>
+                    <a:lstStyle/>
+                    <a:p>
+                      <a:r>
+                        <a:rPr lang="fr-FR" dirty="0"/>
+                        <a:t>Age:</a:t>
+                      </a:r>
+                    </a:p>
+                  </a:txBody>
+                  <a:tcPr/>
+                </a:tc>
+                <a:tc>
+                  <a:txBody>
+                    <a:bodyPr/>
+                    <a:lstStyle/>
+                    <a:p>
+                      <a:r>
+                        <a:rPr lang="fr-FR" dirty="0"/>
+                        <a:t>18</a:t>
+                      </a:r>
+                    </a:p>
+                  </a:txBody>
+                  <a:tcPr/>
+                </a:tc>
+                <a:extLst>
+                  <a:ext uri="{0D108BD9-81ED-4DB2-BD59-A6C34878D82A}">
+                    <a16:rowId xmlns:a16="http://schemas.microsoft.com/office/drawing/2014/main" val="10001"/>
+                  </a:ext>
+                </a:extLst>
+              </a:tr>
+              <a:tr h="494891">
+                <a:tc vMerge="1">
+                  <a:txBody>
+                    <a:bodyPr/>
+                    <a:lstStyle/>
+                    <a:p>
+                      <a:endParaRPr lang="fr-FR"/>
+                    </a:p>
+                  </a:txBody>
+                  <a:tcPr/>
+                </a:tc>
+                <a:tc>
+                  <a:txBody>
+                    <a:bodyPr/>
+                    <a:lstStyle/>
+                    <a:p>
+                      <a:r>
+                        <a:rPr lang="fr-FR" dirty="0"/>
+                        <a:t>Sexe:</a:t>
+                      </a:r>
+                    </a:p>
+                  </a:txBody>
+                  <a:tcPr/>
+                </a:tc>
+                <a:tc>
+                  <a:txBody>
+                    <a:bodyPr/>
+                    <a:lstStyle/>
+                    <a:p>
+                      <a:r>
+                        <a:rPr lang="fr-FR" dirty="0"/>
+                        <a:t>Femme</a:t>
+                      </a:r>
+                    </a:p>
+                  </a:txBody>
+                  <a:tcPr/>
+                </a:tc>
+                <a:extLst>
+                  <a:ext uri="{0D108BD9-81ED-4DB2-BD59-A6C34878D82A}">
+                    <a16:rowId xmlns:a16="http://schemas.microsoft.com/office/drawing/2014/main" val="10002"/>
+                  </a:ext>
+                </a:extLst>
+              </a:tr>
+              <a:tr h="577373">
+                <a:tc vMerge="1">
+                  <a:txBody>
+                    <a:bodyPr/>
+                    <a:lstStyle/>
+                    <a:p>
+                      <a:endParaRPr lang="fr-FR" dirty="0"/>
+                    </a:p>
+                  </a:txBody>
+                  <a:tcPr/>
+                </a:tc>
+                <a:tc>
+                  <a:txBody>
+                    <a:bodyPr/>
+                    <a:lstStyle/>
+                    <a:p>
+                      <a:r>
+                        <a:rPr lang="fr-FR" dirty="0"/>
+                        <a:t>Classe:</a:t>
+                      </a:r>
+                    </a:p>
+                  </a:txBody>
+                  <a:tcPr/>
+                </a:tc>
+                <a:tc>
+                  <a:txBody>
+                    <a:bodyPr/>
+                    <a:lstStyle/>
+                    <a:p>
+                      <a:r>
+                        <a:rPr lang="fr-FR" dirty="0"/>
+                        <a:t>Voleur</a:t>
+                      </a:r>
+                    </a:p>
+                  </a:txBody>
+                  <a:tcPr/>
+                </a:tc>
+                <a:extLst>
+                  <a:ext uri="{0D108BD9-81ED-4DB2-BD59-A6C34878D82A}">
+                    <a16:rowId xmlns:a16="http://schemas.microsoft.com/office/drawing/2014/main" val="2763933188"/>
+                  </a:ext>
+                </a:extLst>
+              </a:tr>
+              <a:tr h="3986625">
+                <a:tc gridSpan="3">
+                  <a:txBody>
+                    <a:bodyPr/>
+                    <a:lstStyle/>
+                    <a:p>
+                      <a:endParaRPr lang="fr-FR" dirty="0"/>
+                    </a:p>
+                  </a:txBody>
+                  <a:tcPr/>
+                </a:tc>
+                <a:tc hMerge="1">
+                  <a:txBody>
+                    <a:bodyPr/>
+                    <a:lstStyle/>
+                    <a:p>
+                      <a:endParaRPr lang="fr-FR" dirty="0"/>
+                    </a:p>
+                  </a:txBody>
+                  <a:tcPr/>
+                </a:tc>
+                <a:tc hMerge="1">
+                  <a:txBody>
+                    <a:bodyPr/>
+                    <a:lstStyle/>
+                    <a:p>
+                      <a:endParaRPr lang="fr-FR"/>
+                    </a:p>
+                  </a:txBody>
+                  <a:tcPr/>
+                </a:tc>
+                <a:extLst>
+                  <a:ext uri="{0D108BD9-81ED-4DB2-BD59-A6C34878D82A}">
+                    <a16:rowId xmlns:a16="http://schemas.microsoft.com/office/drawing/2014/main" val="10003"/>
+                  </a:ext>
+                </a:extLst>
+              </a:tr>
+            </a:tbl>
+          </a:graphicData>
+        </a:graphic>
+      </p:graphicFrame>
+      <p:pic>
+        <p:nvPicPr>
+          <p:cNvPr id="2" name="Image 1"/>
+          <p:cNvPicPr>
+            <a:picLocks noChangeAspect="1"/>
+          </p:cNvPicPr>
+          <p:nvPr/>
+        </p:nvPicPr>
+        <p:blipFill rotWithShape="1">
+          <a:blip r:embed="rId2">
+            <a:extLst>
+              <a:ext uri="{28A0092B-C50C-407E-A947-70E740481C1C}">
+                <a14:useLocalDpi xmlns:a14="http://schemas.microsoft.com/office/drawing/2010/main" val="0"/>
+              </a:ext>
+            </a:extLst>
+          </a:blip>
+          <a:srcRect r="74825" b="50350"/>
+          <a:stretch/>
+        </p:blipFill>
+        <p:spPr>
+          <a:xfrm>
+            <a:off x="611560" y="548680"/>
+            <a:ext cx="1825555" cy="1800200"/>
+          </a:xfrm>
+          <a:prstGeom prst="rect">
+            <a:avLst/>
+          </a:prstGeom>
+        </p:spPr>
+      </p:pic>
+    </p:spTree>
+    <p:extLst>
+      <p:ext uri="{BB962C8B-B14F-4D97-AF65-F5344CB8AC3E}">
+        <p14:creationId xmlns:p14="http://schemas.microsoft.com/office/powerpoint/2010/main" val="1761038404"/>
+      </p:ext>
+    </p:extLst>
+  </p:cSld>
+  <p:clrMapOvr>
+    <a:masterClrMapping/>
+  </p:clrMapOvr>
+</p:sld>
+</file>
+
+<file path=ppt/slides/slide4.xml><?xml version="1.0" encoding="utf-8"?>
+<p:sld xmlns:a="http://schemas.openxmlformats.org/drawingml/2006/main" xmlns:r="http://schemas.openxmlformats.org/officeDocument/2006/relationships" xmlns:p="http://schemas.openxmlformats.org/presentationml/2006/main">
+  <p:cSld>
+    <p:spTree>
+      <p:nvGrpSpPr>
+        <p:cNvPr id="1" name=""/>
+        <p:cNvGrpSpPr/>
+        <p:nvPr/>
+      </p:nvGrpSpPr>
+      <p:grpSpPr>
+        <a:xfrm>
+          <a:off x="0" y="0"/>
+          <a:ext cx="0" cy="0"/>
+          <a:chOff x="0" y="0"/>
+          <a:chExt cx="0" cy="0"/>
+        </a:xfrm>
+      </p:grpSpPr>
+      <p:graphicFrame>
+        <p:nvGraphicFramePr>
+          <p:cNvPr id="4" name="Tableau 3"/>
+          <p:cNvGraphicFramePr>
+            <a:graphicFrameLocks noGrp="1"/>
+          </p:cNvGraphicFramePr>
+          <p:nvPr>
+            <p:extLst>
+              <p:ext uri="{D42A27DB-BD31-4B8C-83A1-F6EECF244321}">
+                <p14:modId xmlns:p14="http://schemas.microsoft.com/office/powerpoint/2010/main" val="1715570445"/>
+              </p:ext>
+            </p:extLst>
+          </p:nvPr>
+        </p:nvGraphicFramePr>
+        <p:xfrm>
+          <a:off x="251520" y="404665"/>
+          <a:ext cx="8640960" cy="6048670"/>
+        </p:xfrm>
+        <a:graphic>
+          <a:graphicData uri="http://schemas.openxmlformats.org/drawingml/2006/table">
+            <a:tbl>
+              <a:tblPr firstRow="1" bandRow="1">
+                <a:tableStyleId>{5940675A-B579-460E-94D1-54222C63F5DA}</a:tableStyleId>
+              </a:tblPr>
+              <a:tblGrid>
+                <a:gridCol w="2592288">
+                  <a:extLst>
+                    <a:ext uri="{9D8B030D-6E8A-4147-A177-3AD203B41FA5}">
+                      <a16:colId xmlns:a16="http://schemas.microsoft.com/office/drawing/2014/main" val="20000"/>
+                    </a:ext>
+                  </a:extLst>
+                </a:gridCol>
+                <a:gridCol w="1728192">
+                  <a:extLst>
+                    <a:ext uri="{9D8B030D-6E8A-4147-A177-3AD203B41FA5}">
+                      <a16:colId xmlns:a16="http://schemas.microsoft.com/office/drawing/2014/main" val="20001"/>
+                    </a:ext>
+                  </a:extLst>
+                </a:gridCol>
+                <a:gridCol w="4320480">
+                  <a:extLst>
+                    <a:ext uri="{9D8B030D-6E8A-4147-A177-3AD203B41FA5}">
+                      <a16:colId xmlns:a16="http://schemas.microsoft.com/office/drawing/2014/main" val="20002"/>
+                    </a:ext>
+                  </a:extLst>
+                </a:gridCol>
+              </a:tblGrid>
+              <a:tr h="494890">
+                <a:tc rowSpan="4">
+                  <a:txBody>
+                    <a:bodyPr/>
+                    <a:lstStyle/>
+                    <a:p>
+                      <a:endParaRPr lang="fr-FR" dirty="0"/>
+                    </a:p>
+                  </a:txBody>
+                  <a:tcPr/>
+                </a:tc>
+                <a:tc>
+                  <a:txBody>
+                    <a:bodyPr/>
+                    <a:lstStyle/>
+                    <a:p>
+                      <a:r>
+                        <a:rPr lang="fr-FR" dirty="0"/>
+                        <a:t>Nom:</a:t>
+                      </a:r>
+                    </a:p>
+                  </a:txBody>
+                  <a:tcPr/>
+                </a:tc>
+                <a:tc>
+                  <a:txBody>
+                    <a:bodyPr/>
+                    <a:lstStyle/>
+                    <a:p>
+                      <a:r>
+                        <a:rPr lang="fr-FR" dirty="0"/>
+                        <a:t>Louison</a:t>
+                      </a:r>
+                    </a:p>
+                  </a:txBody>
+                  <a:tcPr/>
+                </a:tc>
+                <a:extLst>
+                  <a:ext uri="{0D108BD9-81ED-4DB2-BD59-A6C34878D82A}">
+                    <a16:rowId xmlns:a16="http://schemas.microsoft.com/office/drawing/2014/main" val="10000"/>
+                  </a:ext>
+                </a:extLst>
+              </a:tr>
+              <a:tr h="494891">
+                <a:tc vMerge="1">
+                  <a:txBody>
+                    <a:bodyPr/>
+                    <a:lstStyle/>
+                    <a:p>
+                      <a:endParaRPr lang="fr-FR"/>
+                    </a:p>
+                  </a:txBody>
+                  <a:tcPr/>
+                </a:tc>
+                <a:tc>
+                  <a:txBody>
+                    <a:bodyPr/>
+                    <a:lstStyle/>
+                    <a:p>
+                      <a:r>
+                        <a:rPr lang="fr-FR" dirty="0"/>
+                        <a:t>Age:</a:t>
+                      </a:r>
+                    </a:p>
+                  </a:txBody>
+                  <a:tcPr/>
+                </a:tc>
+                <a:tc>
+                  <a:txBody>
+                    <a:bodyPr/>
+                    <a:lstStyle/>
+                    <a:p>
+                      <a:r>
+                        <a:rPr lang="fr-FR" dirty="0"/>
+                        <a:t>15</a:t>
+                      </a:r>
+                    </a:p>
+                  </a:txBody>
+                  <a:tcPr/>
+                </a:tc>
+                <a:extLst>
+                  <a:ext uri="{0D108BD9-81ED-4DB2-BD59-A6C34878D82A}">
+                    <a16:rowId xmlns:a16="http://schemas.microsoft.com/office/drawing/2014/main" val="10001"/>
+                  </a:ext>
+                </a:extLst>
+              </a:tr>
+              <a:tr h="494891">
+                <a:tc vMerge="1">
+                  <a:txBody>
+                    <a:bodyPr/>
+                    <a:lstStyle/>
+                    <a:p>
+                      <a:endParaRPr lang="fr-FR"/>
+                    </a:p>
+                  </a:txBody>
+                  <a:tcPr/>
+                </a:tc>
+                <a:tc>
+                  <a:txBody>
+                    <a:bodyPr/>
+                    <a:lstStyle/>
+                    <a:p>
+                      <a:r>
+                        <a:rPr lang="fr-FR" dirty="0"/>
+                        <a:t>Sexe:</a:t>
+                      </a:r>
+                    </a:p>
+                  </a:txBody>
+                  <a:tcPr/>
+                </a:tc>
+                <a:tc>
+                  <a:txBody>
+                    <a:bodyPr/>
+                    <a:lstStyle/>
+                    <a:p>
+                      <a:r>
+                        <a:rPr lang="fr-FR" dirty="0"/>
+                        <a:t>Homme</a:t>
+                      </a:r>
+                    </a:p>
+                  </a:txBody>
+                  <a:tcPr/>
+                </a:tc>
+                <a:extLst>
+                  <a:ext uri="{0D108BD9-81ED-4DB2-BD59-A6C34878D82A}">
+                    <a16:rowId xmlns:a16="http://schemas.microsoft.com/office/drawing/2014/main" val="10002"/>
+                  </a:ext>
+                </a:extLst>
+              </a:tr>
+              <a:tr h="577373">
+                <a:tc vMerge="1">
+                  <a:txBody>
+                    <a:bodyPr/>
+                    <a:lstStyle/>
+                    <a:p>
+                      <a:endParaRPr lang="fr-FR" dirty="0"/>
+                    </a:p>
+                  </a:txBody>
+                  <a:tcPr/>
+                </a:tc>
+                <a:tc>
+                  <a:txBody>
+                    <a:bodyPr/>
+                    <a:lstStyle/>
+                    <a:p>
+                      <a:r>
+                        <a:rPr lang="fr-FR" dirty="0"/>
+                        <a:t>Classe:</a:t>
+                      </a:r>
+                    </a:p>
+                  </a:txBody>
+                  <a:tcPr/>
+                </a:tc>
+                <a:tc>
+                  <a:txBody>
+                    <a:bodyPr/>
+                    <a:lstStyle/>
+                    <a:p>
+                      <a:r>
+                        <a:rPr lang="fr-FR" dirty="0"/>
+                        <a:t>Prêtre</a:t>
+                      </a:r>
+                    </a:p>
+                  </a:txBody>
+                  <a:tcPr/>
+                </a:tc>
+                <a:extLst>
+                  <a:ext uri="{0D108BD9-81ED-4DB2-BD59-A6C34878D82A}">
+                    <a16:rowId xmlns:a16="http://schemas.microsoft.com/office/drawing/2014/main" val="2763933188"/>
+                  </a:ext>
+                </a:extLst>
+              </a:tr>
+              <a:tr h="3986625">
+                <a:tc gridSpan="3">
+                  <a:txBody>
+                    <a:bodyPr/>
+                    <a:lstStyle/>
+                    <a:p>
+                      <a:endParaRPr lang="fr-FR" dirty="0"/>
+                    </a:p>
+                  </a:txBody>
+                  <a:tcPr/>
+                </a:tc>
+                <a:tc hMerge="1">
+                  <a:txBody>
+                    <a:bodyPr/>
+                    <a:lstStyle/>
+                    <a:p>
+                      <a:endParaRPr lang="fr-FR" dirty="0"/>
+                    </a:p>
+                  </a:txBody>
+                  <a:tcPr/>
+                </a:tc>
+                <a:tc hMerge="1">
+                  <a:txBody>
+                    <a:bodyPr/>
+                    <a:lstStyle/>
+                    <a:p>
+                      <a:endParaRPr lang="fr-FR"/>
+                    </a:p>
+                  </a:txBody>
+                  <a:tcPr/>
+                </a:tc>
+                <a:extLst>
+                  <a:ext uri="{0D108BD9-81ED-4DB2-BD59-A6C34878D82A}">
+                    <a16:rowId xmlns:a16="http://schemas.microsoft.com/office/drawing/2014/main" val="10003"/>
+                  </a:ext>
+                </a:extLst>
+              </a:tr>
+            </a:tbl>
+          </a:graphicData>
+        </a:graphic>
+      </p:graphicFrame>
+      <p:pic>
+        <p:nvPicPr>
+          <p:cNvPr id="3" name="Image 2"/>
+          <p:cNvPicPr>
+            <a:picLocks noChangeAspect="1"/>
+          </p:cNvPicPr>
+          <p:nvPr/>
+        </p:nvPicPr>
+        <p:blipFill rotWithShape="1">
+          <a:blip r:embed="rId2">
+            <a:extLst>
+              <a:ext uri="{28A0092B-C50C-407E-A947-70E740481C1C}">
+                <a14:useLocalDpi xmlns:a14="http://schemas.microsoft.com/office/drawing/2010/main" val="0"/>
+              </a:ext>
+            </a:extLst>
+          </a:blip>
+          <a:srcRect r="74940" b="50000"/>
+          <a:stretch/>
+        </p:blipFill>
+        <p:spPr>
+          <a:xfrm>
+            <a:off x="539552" y="476672"/>
+            <a:ext cx="1879965" cy="1875485"/>
+          </a:xfrm>
+          <a:prstGeom prst="rect">
+            <a:avLst/>
+          </a:prstGeom>
+        </p:spPr>
+      </p:pic>
+    </p:spTree>
+    <p:extLst>
+      <p:ext uri="{BB962C8B-B14F-4D97-AF65-F5344CB8AC3E}">
+        <p14:creationId xmlns:p14="http://schemas.microsoft.com/office/powerpoint/2010/main" val="2297750416"/>
+      </p:ext>
+    </p:extLst>
+  </p:cSld>
+  <p:clrMapOvr>
+    <a:masterClrMapping/>
+  </p:clrMapOvr>
+</p:sld>
+</file>
+
+<file path=ppt/slides/slide5.xml><?xml version="1.0" encoding="utf-8"?>
+<p:sld xmlns:a="http://schemas.openxmlformats.org/drawingml/2006/main" xmlns:r="http://schemas.openxmlformats.org/officeDocument/2006/relationships" xmlns:p="http://schemas.openxmlformats.org/presentationml/2006/main">
+  <p:cSld>
+    <p:spTree>
+      <p:nvGrpSpPr>
+        <p:cNvPr id="1" name=""/>
+        <p:cNvGrpSpPr/>
+        <p:nvPr/>
+      </p:nvGrpSpPr>
+      <p:grpSpPr>
+        <a:xfrm>
+          <a:off x="0" y="0"/>
+          <a:ext cx="0" cy="0"/>
+          <a:chOff x="0" y="0"/>
+          <a:chExt cx="0" cy="0"/>
+        </a:xfrm>
+      </p:grpSpPr>
+      <p:graphicFrame>
+        <p:nvGraphicFramePr>
+          <p:cNvPr id="4" name="Tableau 3"/>
+          <p:cNvGraphicFramePr>
+            <a:graphicFrameLocks noGrp="1"/>
+          </p:cNvGraphicFramePr>
+          <p:nvPr>
+            <p:extLst>
+              <p:ext uri="{D42A27DB-BD31-4B8C-83A1-F6EECF244321}">
+                <p14:modId xmlns:p14="http://schemas.microsoft.com/office/powerpoint/2010/main" val="240930413"/>
+              </p:ext>
+            </p:extLst>
+          </p:nvPr>
+        </p:nvGraphicFramePr>
+        <p:xfrm>
+          <a:off x="251520" y="404665"/>
+          <a:ext cx="8640960" cy="6048670"/>
+        </p:xfrm>
+        <a:graphic>
+          <a:graphicData uri="http://schemas.openxmlformats.org/drawingml/2006/table">
+            <a:tbl>
+              <a:tblPr firstRow="1" bandRow="1">
+                <a:tableStyleId>{5940675A-B579-460E-94D1-54222C63F5DA}</a:tableStyleId>
+              </a:tblPr>
+              <a:tblGrid>
+                <a:gridCol w="2592288">
+                  <a:extLst>
+                    <a:ext uri="{9D8B030D-6E8A-4147-A177-3AD203B41FA5}">
+                      <a16:colId xmlns:a16="http://schemas.microsoft.com/office/drawing/2014/main" val="20000"/>
+                    </a:ext>
+                  </a:extLst>
+                </a:gridCol>
+                <a:gridCol w="1728192">
+                  <a:extLst>
+                    <a:ext uri="{9D8B030D-6E8A-4147-A177-3AD203B41FA5}">
+                      <a16:colId xmlns:a16="http://schemas.microsoft.com/office/drawing/2014/main" val="20001"/>
+                    </a:ext>
+                  </a:extLst>
+                </a:gridCol>
+                <a:gridCol w="4320480">
+                  <a:extLst>
+                    <a:ext uri="{9D8B030D-6E8A-4147-A177-3AD203B41FA5}">
+                      <a16:colId xmlns:a16="http://schemas.microsoft.com/office/drawing/2014/main" val="20002"/>
+                    </a:ext>
+                  </a:extLst>
+                </a:gridCol>
+              </a:tblGrid>
+              <a:tr h="494890">
+                <a:tc rowSpan="4">
+                  <a:txBody>
+                    <a:bodyPr/>
+                    <a:lstStyle/>
+                    <a:p>
+                      <a:endParaRPr lang="fr-FR" dirty="0"/>
+                    </a:p>
+                  </a:txBody>
+                  <a:tcPr/>
+                </a:tc>
+                <a:tc>
+                  <a:txBody>
+                    <a:bodyPr/>
+                    <a:lstStyle/>
+                    <a:p>
+                      <a:r>
+                        <a:rPr lang="fr-FR" dirty="0"/>
+                        <a:t>Nom:</a:t>
+                      </a:r>
+                    </a:p>
+                  </a:txBody>
+                  <a:tcPr/>
+                </a:tc>
+                <a:tc>
+                  <a:txBody>
+                    <a:bodyPr/>
+                    <a:lstStyle/>
+                    <a:p>
+                      <a:r>
+                        <a:rPr lang="fr-FR" dirty="0"/>
+                        <a:t>Cyrus (prince &amp; soleil)</a:t>
+                      </a:r>
+                    </a:p>
+                  </a:txBody>
+                  <a:tcPr/>
+                </a:tc>
+                <a:extLst>
+                  <a:ext uri="{0D108BD9-81ED-4DB2-BD59-A6C34878D82A}">
+                    <a16:rowId xmlns:a16="http://schemas.microsoft.com/office/drawing/2014/main" val="10000"/>
+                  </a:ext>
+                </a:extLst>
+              </a:tr>
+              <a:tr h="494891">
+                <a:tc vMerge="1">
+                  <a:txBody>
+                    <a:bodyPr/>
+                    <a:lstStyle/>
+                    <a:p>
+                      <a:endParaRPr lang="fr-FR"/>
+                    </a:p>
+                  </a:txBody>
+                  <a:tcPr/>
+                </a:tc>
+                <a:tc>
+                  <a:txBody>
+                    <a:bodyPr/>
+                    <a:lstStyle/>
+                    <a:p>
+                      <a:r>
+                        <a:rPr lang="fr-FR" dirty="0"/>
+                        <a:t>Age:</a:t>
+                      </a:r>
+                    </a:p>
+                  </a:txBody>
+                  <a:tcPr/>
+                </a:tc>
+                <a:tc>
+                  <a:txBody>
+                    <a:bodyPr/>
+                    <a:lstStyle/>
+                    <a:p>
+                      <a:r>
+                        <a:rPr lang="fr-FR" dirty="0"/>
+                        <a:t>26</a:t>
+                      </a:r>
+                    </a:p>
+                  </a:txBody>
+                  <a:tcPr/>
+                </a:tc>
+                <a:extLst>
+                  <a:ext uri="{0D108BD9-81ED-4DB2-BD59-A6C34878D82A}">
+                    <a16:rowId xmlns:a16="http://schemas.microsoft.com/office/drawing/2014/main" val="10001"/>
+                  </a:ext>
+                </a:extLst>
+              </a:tr>
+              <a:tr h="494891">
+                <a:tc vMerge="1">
+                  <a:txBody>
+                    <a:bodyPr/>
+                    <a:lstStyle/>
+                    <a:p>
+                      <a:endParaRPr lang="fr-FR"/>
+                    </a:p>
+                  </a:txBody>
+                  <a:tcPr/>
+                </a:tc>
+                <a:tc>
+                  <a:txBody>
+                    <a:bodyPr/>
+                    <a:lstStyle/>
+                    <a:p>
+                      <a:r>
+                        <a:rPr lang="fr-FR" dirty="0"/>
+                        <a:t>Sexe:</a:t>
+                      </a:r>
+                    </a:p>
+                  </a:txBody>
+                  <a:tcPr/>
+                </a:tc>
+                <a:tc>
+                  <a:txBody>
+                    <a:bodyPr/>
+                    <a:lstStyle/>
+                    <a:p>
+                      <a:r>
+                        <a:rPr lang="fr-FR" dirty="0"/>
+                        <a:t>Homme</a:t>
+                      </a:r>
+                    </a:p>
+                  </a:txBody>
+                  <a:tcPr/>
+                </a:tc>
+                <a:extLst>
+                  <a:ext uri="{0D108BD9-81ED-4DB2-BD59-A6C34878D82A}">
+                    <a16:rowId xmlns:a16="http://schemas.microsoft.com/office/drawing/2014/main" val="10002"/>
+                  </a:ext>
+                </a:extLst>
+              </a:tr>
+              <a:tr h="577373">
+                <a:tc vMerge="1">
+                  <a:txBody>
+                    <a:bodyPr/>
+                    <a:lstStyle/>
+                    <a:p>
+                      <a:endParaRPr lang="fr-FR" dirty="0"/>
+                    </a:p>
+                  </a:txBody>
+                  <a:tcPr/>
+                </a:tc>
+                <a:tc>
+                  <a:txBody>
+                    <a:bodyPr/>
+                    <a:lstStyle/>
+                    <a:p>
+                      <a:r>
+                        <a:rPr lang="fr-FR" dirty="0"/>
+                        <a:t>Classe:</a:t>
+                      </a:r>
+                    </a:p>
+                  </a:txBody>
+                  <a:tcPr/>
+                </a:tc>
+                <a:tc>
+                  <a:txBody>
+                    <a:bodyPr/>
+                    <a:lstStyle/>
+                    <a:p>
+                      <a:r>
+                        <a:rPr lang="fr-FR" dirty="0"/>
+                        <a:t>Pistoléros</a:t>
+                      </a:r>
+                    </a:p>
+                  </a:txBody>
+                  <a:tcPr/>
+                </a:tc>
+                <a:extLst>
+                  <a:ext uri="{0D108BD9-81ED-4DB2-BD59-A6C34878D82A}">
+                    <a16:rowId xmlns:a16="http://schemas.microsoft.com/office/drawing/2014/main" val="2763933188"/>
+                  </a:ext>
+                </a:extLst>
+              </a:tr>
+              <a:tr h="3986625">
+                <a:tc gridSpan="3">
+                  <a:txBody>
+                    <a:bodyPr/>
+                    <a:lstStyle/>
+                    <a:p>
+                      <a:endParaRPr lang="fr-FR" dirty="0"/>
+                    </a:p>
+                  </a:txBody>
+                  <a:tcPr/>
+                </a:tc>
+                <a:tc hMerge="1">
+                  <a:txBody>
+                    <a:bodyPr/>
+                    <a:lstStyle/>
+                    <a:p>
+                      <a:endParaRPr lang="fr-FR" dirty="0"/>
+                    </a:p>
+                  </a:txBody>
+                  <a:tcPr/>
+                </a:tc>
+                <a:tc hMerge="1">
+                  <a:txBody>
+                    <a:bodyPr/>
+                    <a:lstStyle/>
+                    <a:p>
+                      <a:endParaRPr lang="fr-FR"/>
+                    </a:p>
+                  </a:txBody>
+                  <a:tcPr/>
+                </a:tc>
+                <a:extLst>
+                  <a:ext uri="{0D108BD9-81ED-4DB2-BD59-A6C34878D82A}">
+                    <a16:rowId xmlns:a16="http://schemas.microsoft.com/office/drawing/2014/main" val="10003"/>
+                  </a:ext>
+                </a:extLst>
+              </a:tr>
+            </a:tbl>
+          </a:graphicData>
+        </a:graphic>
+      </p:graphicFrame>
+      <p:pic>
+        <p:nvPicPr>
+          <p:cNvPr id="2" name="Image 1"/>
+          <p:cNvPicPr>
+            <a:picLocks noChangeAspect="1"/>
+          </p:cNvPicPr>
+          <p:nvPr/>
+        </p:nvPicPr>
+        <p:blipFill rotWithShape="1">
+          <a:blip r:embed="rId2">
+            <a:extLst>
+              <a:ext uri="{28A0092B-C50C-407E-A947-70E740481C1C}">
+                <a14:useLocalDpi xmlns:a14="http://schemas.microsoft.com/office/drawing/2010/main" val="0"/>
+              </a:ext>
+            </a:extLst>
+          </a:blip>
+          <a:srcRect r="74607" b="50000"/>
+          <a:stretch/>
+        </p:blipFill>
+        <p:spPr>
+          <a:xfrm>
+            <a:off x="683568" y="548680"/>
+            <a:ext cx="1828506" cy="1800200"/>
+          </a:xfrm>
+          <a:prstGeom prst="rect">
+            <a:avLst/>
+          </a:prstGeom>
+        </p:spPr>
+      </p:pic>
+    </p:spTree>
+    <p:extLst>
+      <p:ext uri="{BB962C8B-B14F-4D97-AF65-F5344CB8AC3E}">
+        <p14:creationId xmlns:p14="http://schemas.microsoft.com/office/powerpoint/2010/main" val="340689174"/>
       </p:ext>
     </p:extLst>
   </p:cSld>
